--- a/class-content/16-testing/1-Class-Content/16.1/UT-DataProject.pptx
+++ b/class-content/16-testing/1-Class-Content/16.1/UT-DataProject.pptx
@@ -233,7 +233,7 @@
           <a:p>
             <a:fld id="{51A969EA-8566-418D-AC96-BC5F6E9FAB6C}" type="datetimeFigureOut">
               <a:rPr lang="en-US" smtClean="0"/>
-              <a:t>8/1/16</a:t>
+              <a:t>8/2/16</a:t>
             </a:fld>
             <a:endParaRPr lang="en-US"/>
           </a:p>
@@ -398,7 +398,7 @@
           <a:p>
             <a:fld id="{33B07B4B-74D8-4C42-A719-1F93879497F8}" type="datetimeFigureOut">
               <a:rPr lang="en-US" smtClean="0"/>
-              <a:t>8/1/16</a:t>
+              <a:t>8/2/16</a:t>
             </a:fld>
             <a:endParaRPr lang="en-US"/>
           </a:p>
@@ -3245,7 +3245,7 @@
           <a:p>
             <a:fld id="{06F2DAE4-C87D-464C-8529-C68309DD1CFC}" type="datetimeFigureOut">
               <a:rPr lang="en-US" smtClean="0"/>
-              <a:t>8/1/16</a:t>
+              <a:t>8/2/16</a:t>
             </a:fld>
             <a:endParaRPr lang="en-US"/>
           </a:p>
@@ -3359,7 +3359,7 @@
           <a:p>
             <a:fld id="{B65C9255-9F07-4181-9AD2-897FFC0A3B7E}" type="datetimeFigureOut">
               <a:rPr lang="en-US" smtClean="0"/>
-              <a:t>8/1/16</a:t>
+              <a:t>8/2/16</a:t>
             </a:fld>
             <a:endParaRPr lang="en-US"/>
           </a:p>
@@ -6253,7 +6253,7 @@
           <a:p>
             <a:fld id="{06F2DAE4-C87D-464C-8529-C68309DD1CFC}" type="datetimeFigureOut">
               <a:rPr lang="en-US" smtClean="0"/>
-              <a:t>8/1/16</a:t>
+              <a:t>8/2/16</a:t>
             </a:fld>
             <a:endParaRPr lang="en-US"/>
           </a:p>
@@ -6774,7 +6774,7 @@
           <a:p>
             <a:fld id="{B65C9255-9F07-4181-9AD2-897FFC0A3B7E}" type="datetimeFigureOut">
               <a:rPr lang="en-US" smtClean="0"/>
-              <a:t>8/1/16</a:t>
+              <a:t>8/2/16</a:t>
             </a:fld>
             <a:endParaRPr lang="en-US"/>
           </a:p>
@@ -7313,7 +7313,7 @@
           <a:p>
             <a:fld id="{B65C9255-9F07-4181-9AD2-897FFC0A3B7E}" type="datetimeFigureOut">
               <a:rPr lang="en-US" smtClean="0"/>
-              <a:t>8/1/16</a:t>
+              <a:t>8/2/16</a:t>
             </a:fld>
             <a:endParaRPr lang="en-US"/>
           </a:p>
@@ -7852,7 +7852,7 @@
           <a:p>
             <a:fld id="{B65C9255-9F07-4181-9AD2-897FFC0A3B7E}" type="datetimeFigureOut">
               <a:rPr lang="en-US" smtClean="0"/>
-              <a:t>8/1/16</a:t>
+              <a:t>8/2/16</a:t>
             </a:fld>
             <a:endParaRPr lang="en-US"/>
           </a:p>
@@ -8391,7 +8391,7 @@
           <a:p>
             <a:fld id="{B65C9255-9F07-4181-9AD2-897FFC0A3B7E}" type="datetimeFigureOut">
               <a:rPr lang="en-US" smtClean="0"/>
-              <a:t>8/1/16</a:t>
+              <a:t>8/2/16</a:t>
             </a:fld>
             <a:endParaRPr lang="en-US"/>
           </a:p>
@@ -8837,11 +8837,11 @@
           <a:p>
             <a:r>
               <a:rPr lang="en-US" dirty="0" smtClean="0"/>
-              <a:t>August 1st</a:t>
+              <a:t>August </a:t>
             </a:r>
             <a:r>
               <a:rPr lang="en-US" dirty="0" smtClean="0"/>
-              <a:t>, </a:t>
+              <a:t>2nd, </a:t>
             </a:r>
             <a:r>
               <a:rPr lang="en-US" dirty="0" smtClean="0"/>
@@ -8896,6 +8896,13 @@
       </p:transition>
     </mc:Fallback>
   </mc:AlternateContent>
+  <p:timing>
+    <p:tnLst>
+      <p:par>
+        <p:cTn id="1" dur="indefinite" restart="never" nodeType="tmRoot"/>
+      </p:par>
+    </p:tnLst>
+  </p:timing>
 </p:sld>
 </file>
 
@@ -9019,6 +9026,13 @@
       </p:transition>
     </mc:Fallback>
   </mc:AlternateContent>
+  <p:timing>
+    <p:tnLst>
+      <p:par>
+        <p:cTn id="1" dur="indefinite" restart="never" nodeType="tmRoot"/>
+      </p:par>
+    </p:tnLst>
+  </p:timing>
 </p:sld>
 </file>
 
@@ -9541,6 +9555,13 @@
       </p:transition>
     </mc:Fallback>
   </mc:AlternateContent>
+  <p:timing>
+    <p:tnLst>
+      <p:par>
+        <p:cTn id="1" dur="indefinite" restart="never" nodeType="tmRoot"/>
+      </p:par>
+    </p:tnLst>
+  </p:timing>
 </p:sld>
 </file>
 
@@ -9791,6 +9812,13 @@
       </p:transition>
     </mc:Fallback>
   </mc:AlternateContent>
+  <p:timing>
+    <p:tnLst>
+      <p:par>
+        <p:cTn id="1" dur="indefinite" restart="never" nodeType="tmRoot"/>
+      </p:par>
+    </p:tnLst>
+  </p:timing>
 </p:sld>
 </file>
 
@@ -10184,6 +10212,13 @@
       </p:transition>
     </mc:Fallback>
   </mc:AlternateContent>
+  <p:timing>
+    <p:tnLst>
+      <p:par>
+        <p:cTn id="1" dur="indefinite" restart="never" nodeType="tmRoot"/>
+      </p:par>
+    </p:tnLst>
+  </p:timing>
 </p:sld>
 </file>
 
@@ -10249,6 +10284,13 @@
       </p:transition>
     </mc:Fallback>
   </mc:AlternateContent>
+  <p:timing>
+    <p:tnLst>
+      <p:par>
+        <p:cTn id="1" dur="indefinite" restart="never" nodeType="tmRoot"/>
+      </p:par>
+    </p:tnLst>
+  </p:timing>
 </p:sld>
 </file>
 
@@ -10451,6 +10493,13 @@
       </p:transition>
     </mc:Fallback>
   </mc:AlternateContent>
+  <p:timing>
+    <p:tnLst>
+      <p:par>
+        <p:cTn id="1" dur="indefinite" restart="never" nodeType="tmRoot"/>
+      </p:par>
+    </p:tnLst>
+  </p:timing>
 </p:sld>
 </file>
 
@@ -10516,6 +10565,13 @@
       </p:transition>
     </mc:Fallback>
   </mc:AlternateContent>
+  <p:timing>
+    <p:tnLst>
+      <p:par>
+        <p:cTn id="1" dur="indefinite" restart="never" nodeType="tmRoot"/>
+      </p:par>
+    </p:tnLst>
+  </p:timing>
 </p:sld>
 </file>
 
@@ -10581,6 +10637,13 @@
       </p:transition>
     </mc:Fallback>
   </mc:AlternateContent>
+  <p:timing>
+    <p:tnLst>
+      <p:par>
+        <p:cTn id="1" dur="indefinite" restart="never" nodeType="tmRoot"/>
+      </p:par>
+    </p:tnLst>
+  </p:timing>
 </p:sld>
 </file>
 
@@ -10698,6 +10761,13 @@
       </p:transition>
     </mc:Fallback>
   </mc:AlternateContent>
+  <p:timing>
+    <p:tnLst>
+      <p:par>
+        <p:cTn id="1" dur="indefinite" restart="never" nodeType="tmRoot"/>
+      </p:par>
+    </p:tnLst>
+  </p:timing>
 </p:sld>
 </file>
 
@@ -10821,6 +10891,13 @@
       </p:transition>
     </mc:Fallback>
   </mc:AlternateContent>
+  <p:timing>
+    <p:tnLst>
+      <p:par>
+        <p:cTn id="1" dur="indefinite" restart="never" nodeType="tmRoot"/>
+      </p:par>
+    </p:tnLst>
+  </p:timing>
 </p:sld>
 </file>
 
@@ -10937,6 +11014,13 @@
       </p:transition>
     </mc:Fallback>
   </mc:AlternateContent>
+  <p:timing>
+    <p:tnLst>
+      <p:par>
+        <p:cTn id="1" dur="indefinite" restart="never" nodeType="tmRoot"/>
+      </p:par>
+    </p:tnLst>
+  </p:timing>
 </p:sld>
 </file>
 
@@ -11002,6 +11086,13 @@
       </p:transition>
     </mc:Fallback>
   </mc:AlternateContent>
+  <p:timing>
+    <p:tnLst>
+      <p:par>
+        <p:cTn id="1" dur="indefinite" restart="never" nodeType="tmRoot"/>
+      </p:par>
+    </p:tnLst>
+  </p:timing>
 </p:sld>
 </file>
 
@@ -11309,6 +11400,13 @@
       </p:transition>
     </mc:Fallback>
   </mc:AlternateContent>
+  <p:timing>
+    <p:tnLst>
+      <p:par>
+        <p:cTn id="1" dur="indefinite" restart="never" nodeType="tmRoot"/>
+      </p:par>
+    </p:tnLst>
+  </p:timing>
 </p:sld>
 </file>
 
@@ -11374,6 +11472,13 @@
       </p:transition>
     </mc:Fallback>
   </mc:AlternateContent>
+  <p:timing>
+    <p:tnLst>
+      <p:par>
+        <p:cTn id="1" dur="indefinite" restart="never" nodeType="tmRoot"/>
+      </p:par>
+    </p:tnLst>
+  </p:timing>
 </p:sld>
 </file>
 
@@ -11426,7 +11531,7 @@
         <p:spPr>
           <a:xfrm>
             <a:off x="304800" y="914400"/>
-            <a:ext cx="4419600" cy="3647152"/>
+            <a:ext cx="4419600" cy="5355312"/>
           </a:xfrm>
           <a:prstGeom prst="rect">
             <a:avLst/>
@@ -11440,7 +11545,7 @@
           <a:lstStyle/>
           <a:p>
             <a:r>
-              <a:rPr lang="en-US" sz="2100" b="1" dirty="0">
+              <a:rPr lang="en-US" b="1" dirty="0">
                 <a:latin typeface="Arial" panose="020B0604020202020204" pitchFamily="34" charset="0"/>
                 <a:ea typeface="Roboto" pitchFamily="2" charset="0"/>
                 <a:cs typeface="Arial" panose="020B0604020202020204" pitchFamily="34" charset="0"/>
@@ -11448,14 +11553,14 @@
               <a:t>1. </a:t>
             </a:r>
             <a:r>
-              <a:rPr lang="en-US" sz="2100" b="1" dirty="0" smtClean="0">
+              <a:rPr lang="en-US" b="1" dirty="0" smtClean="0">
                 <a:latin typeface="Arial" panose="020B0604020202020204" pitchFamily="34" charset="0"/>
                 <a:ea typeface="Roboto" pitchFamily="2" charset="0"/>
                 <a:cs typeface="Arial" panose="020B0604020202020204" pitchFamily="34" charset="0"/>
               </a:rPr>
               <a:t>Team X</a:t>
             </a:r>
-            <a:endParaRPr lang="en-US" sz="2100" b="1" dirty="0">
+            <a:endParaRPr lang="en-US" b="1" dirty="0">
               <a:latin typeface="Arial" panose="020B0604020202020204" pitchFamily="34" charset="0"/>
               <a:ea typeface="Roboto" pitchFamily="2" charset="0"/>
               <a:cs typeface="Arial" panose="020B0604020202020204" pitchFamily="34" charset="0"/>
@@ -11463,21 +11568,68 @@
           </a:p>
           <a:p>
             <a:r>
-              <a:rPr lang="en-US" sz="2100" dirty="0" smtClean="0">
+              <a:rPr lang="en-US" dirty="0" err="1"/>
+              <a:t>Fatma</a:t>
+            </a:r>
+            <a:r>
+              <a:rPr lang="en-US" dirty="0"/>
+              <a:t> </a:t>
+            </a:r>
+            <a:r>
+              <a:rPr lang="en-US" dirty="0" err="1"/>
+              <a:t>Tarlaci</a:t>
+            </a:r>
+            <a:endParaRPr lang="en-US" dirty="0"/>
+          </a:p>
+          <a:p>
+            <a:r>
+              <a:rPr lang="en-US" dirty="0"/>
+              <a:t>Peter Guerrero</a:t>
+            </a:r>
+          </a:p>
+          <a:p>
+            <a:r>
+              <a:rPr lang="en-US" dirty="0"/>
+              <a:t>Phillip </a:t>
+            </a:r>
+            <a:r>
+              <a:rPr lang="en-US" dirty="0" smtClean="0"/>
+              <a:t>Cooke</a:t>
+            </a:r>
+          </a:p>
+          <a:p>
+            <a:r>
+              <a:rPr lang="en-US" dirty="0" smtClean="0">
                 <a:latin typeface="Arial" panose="020B0604020202020204" pitchFamily="34" charset="0"/>
                 <a:ea typeface="Roboto" pitchFamily="2" charset="0"/>
                 <a:cs typeface="Arial" panose="020B0604020202020204" pitchFamily="34" charset="0"/>
               </a:rPr>
-              <a:t>XXX</a:t>
-            </a:r>
-            <a:endParaRPr lang="en-US" sz="2100" dirty="0">
+              <a:t>Booth Kittson</a:t>
+            </a:r>
+            <a:endParaRPr lang="en-US" dirty="0">
               <a:latin typeface="Arial" panose="020B0604020202020204" pitchFamily="34" charset="0"/>
               <a:ea typeface="Roboto" pitchFamily="2" charset="0"/>
               <a:cs typeface="Arial" panose="020B0604020202020204" pitchFamily="34" charset="0"/>
             </a:endParaRPr>
           </a:p>
           <a:p>
-            <a:endParaRPr lang="en-US" sz="2100" b="1" dirty="0">
+            <a:r>
+              <a:rPr lang="en-US" b="1" dirty="0">
+                <a:latin typeface="Arial" panose="020B0604020202020204" pitchFamily="34" charset="0"/>
+                <a:ea typeface="Roboto" pitchFamily="2" charset="0"/>
+                <a:cs typeface="Arial" panose="020B0604020202020204" pitchFamily="34" charset="0"/>
+              </a:rPr>
+              <a:t>2. </a:t>
+            </a:r>
+            <a:r>
+              <a:rPr lang="en-US" b="1" dirty="0" smtClean="0">
+                <a:latin typeface="Arial" panose="020B0604020202020204" pitchFamily="34" charset="0"/>
+                <a:ea typeface="Roboto" pitchFamily="2" charset="0"/>
+                <a:cs typeface="Arial" panose="020B0604020202020204" pitchFamily="34" charset="0"/>
+              </a:rPr>
+              <a:t>Team X</a:t>
+            </a:r>
+            <a:endParaRPr lang="en-US" b="1" dirty="0">
               <a:latin typeface="Arial" panose="020B0604020202020204" pitchFamily="34" charset="0"/>
               <a:ea typeface="Roboto" pitchFamily="2" charset="0"/>
               <a:cs typeface="Arial" panose="020B0604020202020204" pitchFamily="34" charset="0"/>
@@ -11485,22 +11637,22 @@
           </a:p>
           <a:p>
             <a:r>
-              <a:rPr lang="en-US" sz="2100" b="1" dirty="0">
-                <a:latin typeface="Arial" panose="020B0604020202020204" pitchFamily="34" charset="0"/>
-                <a:ea typeface="Roboto" pitchFamily="2" charset="0"/>
-                <a:cs typeface="Arial" panose="020B0604020202020204" pitchFamily="34" charset="0"/>
-              </a:rPr>
-              <a:t>2. </a:t>
-            </a:r>
-            <a:r>
-              <a:rPr lang="en-US" sz="2100" b="1" dirty="0" smtClean="0">
-                <a:latin typeface="Arial" panose="020B0604020202020204" pitchFamily="34" charset="0"/>
-                <a:ea typeface="Roboto" pitchFamily="2" charset="0"/>
-                <a:cs typeface="Arial" panose="020B0604020202020204" pitchFamily="34" charset="0"/>
-              </a:rPr>
-              <a:t>Team X</a:t>
-            </a:r>
-            <a:endParaRPr lang="en-US" sz="2100" b="1" dirty="0">
+              <a:rPr lang="en-US" dirty="0"/>
+              <a:t>David Quinlan</a:t>
+            </a:r>
+          </a:p>
+          <a:p>
+            <a:r>
+              <a:rPr lang="en-US" dirty="0"/>
+              <a:t>Herbert Gutierrez</a:t>
+            </a:r>
+          </a:p>
+          <a:p>
+            <a:r>
+              <a:rPr lang="en-US" dirty="0"/>
+              <a:t>Lance Martin</a:t>
+            </a:r>
+            <a:endParaRPr lang="en-US" b="1" dirty="0">
               <a:latin typeface="Arial" panose="020B0604020202020204" pitchFamily="34" charset="0"/>
               <a:ea typeface="Roboto" pitchFamily="2" charset="0"/>
               <a:cs typeface="Arial" panose="020B0604020202020204" pitchFamily="34" charset="0"/>
@@ -11508,21 +11660,48 @@
           </a:p>
           <a:p>
             <a:r>
-              <a:rPr lang="en-US" sz="2100" dirty="0" smtClean="0">
+              <a:rPr lang="en-US" b="1" dirty="0" smtClean="0">
                 <a:latin typeface="Arial" panose="020B0604020202020204" pitchFamily="34" charset="0"/>
                 <a:ea typeface="Roboto" pitchFamily="2" charset="0"/>
                 <a:cs typeface="Arial" panose="020B0604020202020204" pitchFamily="34" charset="0"/>
               </a:rPr>
-              <a:t>XXX</a:t>
-            </a:r>
-            <a:endParaRPr lang="en-US" sz="2100" dirty="0">
+              <a:t>3. Team X</a:t>
+            </a:r>
+            <a:endParaRPr lang="en-US" b="1" dirty="0">
               <a:latin typeface="Arial" panose="020B0604020202020204" pitchFamily="34" charset="0"/>
               <a:ea typeface="Roboto" pitchFamily="2" charset="0"/>
               <a:cs typeface="Arial" panose="020B0604020202020204" pitchFamily="34" charset="0"/>
             </a:endParaRPr>
           </a:p>
           <a:p>
-            <a:endParaRPr lang="en-US" sz="2100" b="1" dirty="0">
+            <a:r>
+              <a:rPr lang="en-US" dirty="0"/>
+              <a:t>Lisa Watkins</a:t>
+            </a:r>
+          </a:p>
+          <a:p>
+            <a:r>
+              <a:rPr lang="en-US" dirty="0"/>
+              <a:t>Cherie </a:t>
+            </a:r>
+            <a:r>
+              <a:rPr lang="en-US" dirty="0" err="1"/>
+              <a:t>Shedd</a:t>
+            </a:r>
+            <a:endParaRPr lang="en-US" dirty="0"/>
+          </a:p>
+          <a:p>
+            <a:r>
+              <a:rPr lang="en-US" dirty="0"/>
+              <a:t>Megan King</a:t>
+            </a:r>
+          </a:p>
+          <a:p>
+            <a:r>
+              <a:rPr lang="en-US" dirty="0"/>
+              <a:t>Chris Crawford</a:t>
+            </a:r>
+            <a:endParaRPr lang="en-US" b="1" dirty="0">
               <a:latin typeface="Arial" panose="020B0604020202020204" pitchFamily="34" charset="0"/>
               <a:ea typeface="Roboto" pitchFamily="2" charset="0"/>
               <a:cs typeface="Arial" panose="020B0604020202020204" pitchFamily="34" charset="0"/>
@@ -11530,14 +11709,22 @@
           </a:p>
           <a:p>
             <a:r>
-              <a:rPr lang="en-US" sz="2100" b="1" dirty="0" smtClean="0">
+              <a:rPr lang="en-US" b="1" dirty="0">
                 <a:latin typeface="Arial" panose="020B0604020202020204" pitchFamily="34" charset="0"/>
                 <a:ea typeface="Roboto" pitchFamily="2" charset="0"/>
                 <a:cs typeface="Arial" panose="020B0604020202020204" pitchFamily="34" charset="0"/>
               </a:rPr>
-              <a:t>3. Team X</a:t>
-            </a:r>
-            <a:endParaRPr lang="en-US" sz="2100" b="1" dirty="0">
+              <a:t>4. </a:t>
+            </a:r>
+            <a:r>
+              <a:rPr lang="en-US" b="1" dirty="0" smtClean="0">
+                <a:latin typeface="Arial" panose="020B0604020202020204" pitchFamily="34" charset="0"/>
+                <a:ea typeface="Roboto" pitchFamily="2" charset="0"/>
+                <a:cs typeface="Arial" panose="020B0604020202020204" pitchFamily="34" charset="0"/>
+              </a:rPr>
+              <a:t>Team X</a:t>
+            </a:r>
+            <a:endParaRPr lang="en-US" b="1" dirty="0">
               <a:latin typeface="Arial" panose="020B0604020202020204" pitchFamily="34" charset="0"/>
               <a:ea typeface="Roboto" pitchFamily="2" charset="0"/>
               <a:cs typeface="Arial" panose="020B0604020202020204" pitchFamily="34" charset="0"/>
@@ -11545,59 +11732,38 @@
           </a:p>
           <a:p>
             <a:r>
-              <a:rPr lang="en-US" sz="2100" dirty="0" smtClean="0">
-                <a:latin typeface="Arial" panose="020B0604020202020204" pitchFamily="34" charset="0"/>
-                <a:ea typeface="Roboto" pitchFamily="2" charset="0"/>
-                <a:cs typeface="Arial" panose="020B0604020202020204" pitchFamily="34" charset="0"/>
-              </a:rPr>
-              <a:t>XXX</a:t>
-            </a:r>
-            <a:endParaRPr lang="en-US" sz="2100" dirty="0">
+              <a:rPr lang="en-US" dirty="0"/>
+              <a:t>Jessica </a:t>
+            </a:r>
+            <a:r>
+              <a:rPr lang="en-US" dirty="0" err="1" smtClean="0"/>
+              <a:t>Hust</a:t>
+            </a:r>
+            <a:endParaRPr lang="en-US" dirty="0"/>
+          </a:p>
+          <a:p>
+            <a:r>
+              <a:rPr lang="en-US" dirty="0"/>
+              <a:t>Monica Szabo</a:t>
+            </a:r>
+          </a:p>
+          <a:p>
+            <a:r>
+              <a:rPr lang="en-US" dirty="0"/>
+              <a:t>Rhea Rivera</a:t>
+            </a:r>
+          </a:p>
+          <a:p>
+            <a:r>
+              <a:rPr lang="en-US" dirty="0"/>
+              <a:t>Kayla Martin</a:t>
+            </a:r>
+            <a:endParaRPr lang="en-US" dirty="0" smtClean="0">
               <a:latin typeface="Arial" panose="020B0604020202020204" pitchFamily="34" charset="0"/>
               <a:ea typeface="Roboto" pitchFamily="2" charset="0"/>
               <a:cs typeface="Arial" panose="020B0604020202020204" pitchFamily="34" charset="0"/>
             </a:endParaRPr>
           </a:p>
-          <a:p>
-            <a:endParaRPr lang="en-US" sz="2100" b="1" dirty="0">
-              <a:latin typeface="Arial" panose="020B0604020202020204" pitchFamily="34" charset="0"/>
-              <a:ea typeface="Roboto" pitchFamily="2" charset="0"/>
-              <a:cs typeface="Arial" panose="020B0604020202020204" pitchFamily="34" charset="0"/>
-            </a:endParaRPr>
-          </a:p>
-          <a:p>
-            <a:r>
-              <a:rPr lang="en-US" sz="2100" b="1" dirty="0">
-                <a:latin typeface="Arial" panose="020B0604020202020204" pitchFamily="34" charset="0"/>
-                <a:ea typeface="Roboto" pitchFamily="2" charset="0"/>
-                <a:cs typeface="Arial" panose="020B0604020202020204" pitchFamily="34" charset="0"/>
-              </a:rPr>
-              <a:t>4. </a:t>
-            </a:r>
-            <a:r>
-              <a:rPr lang="en-US" sz="2100" b="1" dirty="0" smtClean="0">
-                <a:latin typeface="Arial" panose="020B0604020202020204" pitchFamily="34" charset="0"/>
-                <a:ea typeface="Roboto" pitchFamily="2" charset="0"/>
-                <a:cs typeface="Arial" panose="020B0604020202020204" pitchFamily="34" charset="0"/>
-              </a:rPr>
-              <a:t>Team X</a:t>
-            </a:r>
-            <a:endParaRPr lang="en-US" sz="2100" b="1" dirty="0">
-              <a:latin typeface="Arial" panose="020B0604020202020204" pitchFamily="34" charset="0"/>
-              <a:ea typeface="Roboto" pitchFamily="2" charset="0"/>
-              <a:cs typeface="Arial" panose="020B0604020202020204" pitchFamily="34" charset="0"/>
-            </a:endParaRPr>
-          </a:p>
-          <a:p>
-            <a:r>
-              <a:rPr lang="en-US" sz="2100" dirty="0" smtClean="0">
-                <a:latin typeface="Arial" panose="020B0604020202020204" pitchFamily="34" charset="0"/>
-                <a:ea typeface="Roboto" pitchFamily="2" charset="0"/>
-                <a:cs typeface="Arial" panose="020B0604020202020204" pitchFamily="34" charset="0"/>
-              </a:rPr>
-              <a:t>XXX</a:t>
-            </a:r>
-          </a:p>
         </p:txBody>
       </p:sp>
       <p:sp>
@@ -11609,7 +11775,7 @@
         <p:spPr>
           <a:xfrm>
             <a:off x="4724400" y="2180567"/>
-            <a:ext cx="4413729" cy="2677656"/>
+            <a:ext cx="4413729" cy="4247317"/>
           </a:xfrm>
           <a:prstGeom prst="rect">
             <a:avLst/>
@@ -11623,7 +11789,7 @@
           <a:lstStyle/>
           <a:p>
             <a:r>
-              <a:rPr lang="en-US" sz="2100" b="1" dirty="0">
+              <a:rPr lang="en-US" b="1" dirty="0">
                 <a:latin typeface="Arial" panose="020B0604020202020204" pitchFamily="34" charset="0"/>
                 <a:ea typeface="Roboto" pitchFamily="2" charset="0"/>
                 <a:cs typeface="Arial" panose="020B0604020202020204" pitchFamily="34" charset="0"/>
@@ -11631,14 +11797,14 @@
               <a:t>5. </a:t>
             </a:r>
             <a:r>
-              <a:rPr lang="en-US" sz="2100" b="1" dirty="0" smtClean="0">
+              <a:rPr lang="en-US" b="1" dirty="0" smtClean="0">
                 <a:latin typeface="Arial" panose="020B0604020202020204" pitchFamily="34" charset="0"/>
                 <a:ea typeface="Roboto" pitchFamily="2" charset="0"/>
                 <a:cs typeface="Arial" panose="020B0604020202020204" pitchFamily="34" charset="0"/>
               </a:rPr>
               <a:t>Team X</a:t>
             </a:r>
-            <a:endParaRPr lang="en-US" sz="2100" dirty="0">
+            <a:endParaRPr lang="en-US" dirty="0">
               <a:latin typeface="Arial" panose="020B0604020202020204" pitchFamily="34" charset="0"/>
               <a:ea typeface="Roboto" pitchFamily="2" charset="0"/>
               <a:cs typeface="Arial" panose="020B0604020202020204" pitchFamily="34" charset="0"/>
@@ -11646,16 +11812,32 @@
           </a:p>
           <a:p>
             <a:r>
-              <a:rPr lang="en-US" sz="2100" dirty="0">
-                <a:latin typeface="Arial" panose="020B0604020202020204" pitchFamily="34" charset="0"/>
-                <a:ea typeface="Roboto" pitchFamily="2" charset="0"/>
-                <a:cs typeface="Arial" panose="020B0604020202020204" pitchFamily="34" charset="0"/>
-              </a:rPr>
-              <a:t>XXX</a:t>
-            </a:r>
-          </a:p>
-          <a:p>
-            <a:endParaRPr lang="en-US" sz="2100" dirty="0">
+              <a:rPr lang="en-US" dirty="0"/>
+              <a:t>Matthew White</a:t>
+            </a:r>
+          </a:p>
+          <a:p>
+            <a:r>
+              <a:rPr lang="en-US" dirty="0"/>
+              <a:t>Roy Hinojosa</a:t>
+            </a:r>
+          </a:p>
+          <a:p>
+            <a:r>
+              <a:rPr lang="en-US" dirty="0"/>
+              <a:t>Jack Walker</a:t>
+            </a:r>
+          </a:p>
+          <a:p>
+            <a:r>
+              <a:rPr lang="en-US" dirty="0"/>
+              <a:t>James </a:t>
+            </a:r>
+            <a:r>
+              <a:rPr lang="en-US" dirty="0" err="1"/>
+              <a:t>Bazan</a:t>
+            </a:r>
+            <a:endParaRPr lang="en-US" dirty="0">
               <a:latin typeface="Arial" panose="020B0604020202020204" pitchFamily="34" charset="0"/>
               <a:ea typeface="Roboto" pitchFamily="2" charset="0"/>
               <a:cs typeface="Arial" panose="020B0604020202020204" pitchFamily="34" charset="0"/>
@@ -11663,7 +11845,7 @@
           </a:p>
           <a:p>
             <a:r>
-              <a:rPr lang="en-US" sz="2100" b="1" dirty="0">
+              <a:rPr lang="en-US" b="1" dirty="0">
                 <a:latin typeface="Arial" panose="020B0604020202020204" pitchFamily="34" charset="0"/>
                 <a:ea typeface="Roboto" pitchFamily="2" charset="0"/>
                 <a:cs typeface="Arial" panose="020B0604020202020204" pitchFamily="34" charset="0"/>
@@ -11671,14 +11853,14 @@
               <a:t>6. </a:t>
             </a:r>
             <a:r>
-              <a:rPr lang="en-US" sz="2100" b="1" dirty="0" smtClean="0">
+              <a:rPr lang="en-US" b="1" dirty="0" smtClean="0">
                 <a:latin typeface="Arial" panose="020B0604020202020204" pitchFamily="34" charset="0"/>
                 <a:ea typeface="Roboto" pitchFamily="2" charset="0"/>
                 <a:cs typeface="Arial" panose="020B0604020202020204" pitchFamily="34" charset="0"/>
               </a:rPr>
               <a:t>Team X</a:t>
             </a:r>
-            <a:endParaRPr lang="en-US" sz="2100" b="1" dirty="0">
+            <a:endParaRPr lang="en-US" b="1" dirty="0">
               <a:latin typeface="Arial" panose="020B0604020202020204" pitchFamily="34" charset="0"/>
               <a:ea typeface="Roboto" pitchFamily="2" charset="0"/>
               <a:cs typeface="Arial" panose="020B0604020202020204" pitchFamily="34" charset="0"/>
@@ -11686,16 +11868,35 @@
           </a:p>
           <a:p>
             <a:r>
-              <a:rPr lang="en-US" sz="2100" dirty="0" smtClean="0">
-                <a:latin typeface="Arial" panose="020B0604020202020204" pitchFamily="34" charset="0"/>
-                <a:ea typeface="Roboto" pitchFamily="2" charset="0"/>
-                <a:cs typeface="Arial" panose="020B0604020202020204" pitchFamily="34" charset="0"/>
-              </a:rPr>
-              <a:t>XXX</a:t>
-            </a:r>
-          </a:p>
-          <a:p>
-            <a:endParaRPr lang="en-US" sz="2100" b="1" dirty="0" smtClean="0">
+              <a:rPr lang="en-US" dirty="0"/>
+              <a:t>Adam Camacho</a:t>
+            </a:r>
+          </a:p>
+          <a:p>
+            <a:r>
+              <a:rPr lang="en-US" dirty="0"/>
+              <a:t>Bill </a:t>
+            </a:r>
+            <a:r>
+              <a:rPr lang="en-US" dirty="0" err="1"/>
+              <a:t>Kernan</a:t>
+            </a:r>
+            <a:endParaRPr lang="en-US" dirty="0"/>
+          </a:p>
+          <a:p>
+            <a:r>
+              <a:rPr lang="en-US" dirty="0"/>
+              <a:t>Connor Mullen</a:t>
+            </a:r>
+          </a:p>
+          <a:p>
+            <a:r>
+              <a:rPr lang="en-US" dirty="0"/>
+              <a:t>Justin LeBlanc</a:t>
+            </a:r>
+          </a:p>
+          <a:p>
+            <a:endParaRPr lang="en-US" b="1" dirty="0" smtClean="0">
               <a:latin typeface="Arial" panose="020B0604020202020204" pitchFamily="34" charset="0"/>
               <a:ea typeface="Roboto" pitchFamily="2" charset="0"/>
               <a:cs typeface="Arial" panose="020B0604020202020204" pitchFamily="34" charset="0"/>
@@ -11703,7 +11904,7 @@
           </a:p>
           <a:p>
             <a:r>
-              <a:rPr lang="en-US" sz="2100" b="1" dirty="0" smtClean="0">
+              <a:rPr lang="en-US" b="1" dirty="0" smtClean="0">
                 <a:latin typeface="Arial" panose="020B0604020202020204" pitchFamily="34" charset="0"/>
                 <a:ea typeface="Roboto" pitchFamily="2" charset="0"/>
                 <a:cs typeface="Arial" panose="020B0604020202020204" pitchFamily="34" charset="0"/>
@@ -11713,14 +11914,26 @@
           </a:p>
           <a:p>
             <a:r>
-              <a:rPr lang="en-US" sz="2100" dirty="0" smtClean="0">
-                <a:latin typeface="Arial" panose="020B0604020202020204" pitchFamily="34" charset="0"/>
-                <a:ea typeface="Roboto" pitchFamily="2" charset="0"/>
-                <a:cs typeface="Arial" panose="020B0604020202020204" pitchFamily="34" charset="0"/>
-              </a:rPr>
-              <a:t>XXX</a:t>
-            </a:r>
-            <a:endParaRPr lang="en-US" sz="2100" dirty="0" smtClean="0">
+              <a:rPr lang="en-US" dirty="0"/>
+              <a:t>Mike Henry</a:t>
+            </a:r>
+          </a:p>
+          <a:p>
+            <a:r>
+              <a:rPr lang="en-US" dirty="0"/>
+              <a:t>Joshua Carroll</a:t>
+            </a:r>
+          </a:p>
+          <a:p>
+            <a:r>
+              <a:rPr lang="en-US" dirty="0"/>
+              <a:t>Andrew </a:t>
+            </a:r>
+            <a:r>
+              <a:rPr lang="en-US" dirty="0" err="1"/>
+              <a:t>Heinke</a:t>
+            </a:r>
+            <a:endParaRPr lang="en-US" dirty="0" smtClean="0">
               <a:latin typeface="Arial" panose="020B0604020202020204" pitchFamily="34" charset="0"/>
               <a:ea typeface="Roboto" pitchFamily="2" charset="0"/>
               <a:cs typeface="Arial" panose="020B0604020202020204" pitchFamily="34" charset="0"/>
@@ -11750,6 +11963,13 @@
       </p:transition>
     </mc:Fallback>
   </mc:AlternateContent>
+  <p:timing>
+    <p:tnLst>
+      <p:par>
+        <p:cTn id="1" dur="indefinite" restart="never" nodeType="tmRoot"/>
+      </p:par>
+    </p:tnLst>
+  </p:timing>
 </p:sld>
 </file>
 
